--- a/59主的僕人.pptx
+++ b/59主的僕人.pptx
@@ -8,11 +8,12 @@
     <p:sldId id="256" r:id="rId2"/>
     <p:sldId id="257" r:id="rId3"/>
     <p:sldId id="258" r:id="rId4"/>
-    <p:sldId id="261" r:id="rId5"/>
-    <p:sldId id="259" r:id="rId6"/>
-    <p:sldId id="260" r:id="rId7"/>
+    <p:sldId id="259" r:id="rId5"/>
+    <p:sldId id="260" r:id="rId6"/>
+    <p:sldId id="261" r:id="rId7"/>
+    <p:sldId id="262" r:id="rId8"/>
   </p:sldIdLst>
-  <p:sldSz cx="9144000" cy="6858000" type="screen4x3"/>
+  <p:sldSz cx="12192000" cy="6858000"/>
   <p:notesSz cx="6858000" cy="9144000"/>
   <p:defaultTextStyle>
     <a:defPPr>
@@ -109,6 +110,22 @@
       </a:defRPr>
     </a:lvl9pPr>
   </p:defaultTextStyle>
+  <p:extLst>
+    <p:ext uri="{EFAFB233-063F-42B5-8137-9DF3F51BA10A}">
+      <p15:sldGuideLst xmlns:p15="http://schemas.microsoft.com/office/powerpoint/2012/main">
+        <p15:guide id="1" orient="horz" pos="2160" userDrawn="1">
+          <p15:clr>
+            <a:srgbClr val="A4A3A4"/>
+          </p15:clr>
+        </p15:guide>
+        <p15:guide id="2" pos="3840" userDrawn="1">
+          <p15:clr>
+            <a:srgbClr val="A4A3A4"/>
+          </p15:clr>
+        </p15:guide>
+      </p15:sldGuideLst>
+    </p:ext>
+  </p:extLst>
 </p:presentation>
 </file>
 
@@ -146,8 +163,8 @@
         </p:nvSpPr>
         <p:spPr>
           <a:xfrm>
-            <a:off x="2286000" y="3124200"/>
-            <a:ext cx="6172200" cy="1894362"/>
+            <a:off x="3048000" y="3124200"/>
+            <a:ext cx="8229600" cy="1894362"/>
           </a:xfrm>
         </p:spPr>
         <p:txBody>
@@ -178,8 +195,8 @@
         </p:nvSpPr>
         <p:spPr>
           <a:xfrm>
-            <a:off x="2286000" y="5003322"/>
-            <a:ext cx="6172200" cy="1371600"/>
+            <a:off x="3048000" y="5003322"/>
+            <a:ext cx="8229600" cy="1371600"/>
           </a:xfrm>
         </p:spPr>
         <p:txBody>
@@ -239,8 +256,8 @@
         </p:nvSpPr>
         <p:spPr bwMode="auto">
           <a:xfrm rot="5400000">
-            <a:off x="7764621" y="1174097"/>
-            <a:ext cx="2286000" cy="381000"/>
+            <a:off x="10733828" y="1110597"/>
+            <a:ext cx="2286000" cy="508000"/>
           </a:xfrm>
         </p:spPr>
         <p:txBody>
@@ -250,7 +267,7 @@
             <a:fld id="{86B5546F-C09B-4E63-ABC5-F7C86A7E8D66}" type="datetimeFigureOut">
               <a:rPr lang="en-US" smtClean="0"/>
               <a:pPr/>
-              <a:t>4/29/2018</a:t>
+              <a:t>11/9/2019</a:t>
             </a:fld>
             <a:endParaRPr lang="en-US"/>
           </a:p>
@@ -268,8 +285,8 @@
         </p:nvSpPr>
         <p:spPr bwMode="auto">
           <a:xfrm rot="5400000">
-            <a:off x="7077269" y="4181669"/>
-            <a:ext cx="3657600" cy="384048"/>
+            <a:off x="10045959" y="4117661"/>
+            <a:ext cx="3657600" cy="512064"/>
           </a:xfrm>
         </p:spPr>
         <p:txBody>
@@ -288,8 +305,8 @@
         </p:nvSpPr>
         <p:spPr bwMode="auto">
           <a:xfrm>
-            <a:off x="381000" y="0"/>
-            <a:ext cx="609600" cy="6858000"/>
+            <a:off x="508000" y="0"/>
+            <a:ext cx="812800" cy="6858000"/>
           </a:xfrm>
           <a:prstGeom prst="rect">
             <a:avLst/>
@@ -325,7 +342,7 @@
           <a:lstStyle/>
           <a:p>
             <a:pPr algn="ctr" eaLnBrk="1" latinLnBrk="0" hangingPunct="1"/>
-            <a:endParaRPr kumimoji="0" lang="en-US"/>
+            <a:endParaRPr kumimoji="0" lang="en-US" sz="1800"/>
           </a:p>
         </p:txBody>
       </p:sp>
@@ -337,8 +354,8 @@
         </p:nvSpPr>
         <p:spPr bwMode="auto">
           <a:xfrm>
-            <a:off x="276336" y="0"/>
-            <a:ext cx="104664" cy="6858000"/>
+            <a:off x="368448" y="0"/>
+            <a:ext cx="139552" cy="6858000"/>
           </a:xfrm>
           <a:prstGeom prst="rect">
             <a:avLst/>
@@ -374,7 +391,7 @@
           <a:lstStyle/>
           <a:p>
             <a:pPr algn="ctr" eaLnBrk="1" latinLnBrk="0" hangingPunct="1"/>
-            <a:endParaRPr kumimoji="0" lang="en-US"/>
+            <a:endParaRPr kumimoji="0" lang="en-US" sz="1800"/>
           </a:p>
         </p:txBody>
       </p:sp>
@@ -386,8 +403,8 @@
         </p:nvSpPr>
         <p:spPr bwMode="auto">
           <a:xfrm>
-            <a:off x="990600" y="0"/>
-            <a:ext cx="181872" cy="6858000"/>
+            <a:off x="1320800" y="0"/>
+            <a:ext cx="242496" cy="6858000"/>
           </a:xfrm>
           <a:prstGeom prst="rect">
             <a:avLst/>
@@ -423,7 +440,7 @@
           <a:lstStyle/>
           <a:p>
             <a:pPr algn="ctr" eaLnBrk="1" latinLnBrk="0" hangingPunct="1"/>
-            <a:endParaRPr kumimoji="0" lang="en-US"/>
+            <a:endParaRPr kumimoji="0" lang="en-US" sz="1800"/>
           </a:p>
         </p:txBody>
       </p:sp>
@@ -435,8 +452,8 @@
         </p:nvSpPr>
         <p:spPr bwMode="auto">
           <a:xfrm>
-            <a:off x="1141320" y="0"/>
-            <a:ext cx="230280" cy="6858000"/>
+            <a:off x="1521760" y="0"/>
+            <a:ext cx="307040" cy="6858000"/>
           </a:xfrm>
           <a:prstGeom prst="rect">
             <a:avLst/>
@@ -472,7 +489,7 @@
           <a:lstStyle/>
           <a:p>
             <a:pPr algn="ctr" eaLnBrk="1" latinLnBrk="0" hangingPunct="1"/>
-            <a:endParaRPr kumimoji="0" lang="en-US"/>
+            <a:endParaRPr kumimoji="0" lang="en-US" sz="1800"/>
           </a:p>
         </p:txBody>
       </p:sp>
@@ -486,7 +503,7 @@
         </p:nvSpPr>
         <p:spPr bwMode="auto">
           <a:xfrm>
-            <a:off x="106344" y="0"/>
+            <a:off x="141792" y="0"/>
             <a:ext cx="0" cy="6858000"/>
           </a:xfrm>
           <a:prstGeom prst="line">
@@ -511,7 +528,7 @@
           <a:bodyPr vert="horz" wrap="square" lIns="91440" tIns="45720" rIns="91440" bIns="45720" anchor="t" compatLnSpc="1"/>
           <a:lstStyle/>
           <a:p>
-            <a:endParaRPr kumimoji="0" lang="en-US"/>
+            <a:endParaRPr kumimoji="0" lang="en-US" sz="1800"/>
           </a:p>
         </p:txBody>
       </p:sp>
@@ -525,7 +542,7 @@
         </p:nvSpPr>
         <p:spPr bwMode="auto">
           <a:xfrm>
-            <a:off x="914400" y="0"/>
+            <a:off x="1219200" y="0"/>
             <a:ext cx="0" cy="6858000"/>
           </a:xfrm>
           <a:prstGeom prst="line">
@@ -550,7 +567,7 @@
           <a:bodyPr vert="horz" wrap="square" lIns="91440" tIns="45720" rIns="91440" bIns="45720" anchor="t" compatLnSpc="1"/>
           <a:lstStyle/>
           <a:p>
-            <a:endParaRPr kumimoji="0" lang="en-US"/>
+            <a:endParaRPr kumimoji="0" lang="en-US" sz="1800"/>
           </a:p>
         </p:txBody>
       </p:sp>
@@ -564,7 +581,7 @@
         </p:nvSpPr>
         <p:spPr bwMode="auto">
           <a:xfrm>
-            <a:off x="854112" y="0"/>
+            <a:off x="1138816" y="0"/>
             <a:ext cx="0" cy="6858000"/>
           </a:xfrm>
           <a:prstGeom prst="line">
@@ -588,7 +605,7 @@
           <a:bodyPr vert="horz" wrap="square" lIns="91440" tIns="45720" rIns="91440" bIns="45720" anchor="t" compatLnSpc="1"/>
           <a:lstStyle/>
           <a:p>
-            <a:endParaRPr kumimoji="0" lang="en-US"/>
+            <a:endParaRPr kumimoji="0" lang="en-US" sz="1800"/>
           </a:p>
         </p:txBody>
       </p:sp>
@@ -602,7 +619,7 @@
         </p:nvSpPr>
         <p:spPr bwMode="auto">
           <a:xfrm>
-            <a:off x="1726640" y="0"/>
+            <a:off x="2302187" y="0"/>
             <a:ext cx="0" cy="6858000"/>
           </a:xfrm>
           <a:prstGeom prst="line">
@@ -627,7 +644,7 @@
           <a:bodyPr vert="horz" wrap="square" lIns="91440" tIns="45720" rIns="91440" bIns="45720" anchor="t" compatLnSpc="1"/>
           <a:lstStyle/>
           <a:p>
-            <a:endParaRPr kumimoji="0" lang="en-US"/>
+            <a:endParaRPr kumimoji="0" lang="en-US" sz="1800"/>
           </a:p>
         </p:txBody>
       </p:sp>
@@ -641,7 +658,7 @@
         </p:nvSpPr>
         <p:spPr bwMode="auto">
           <a:xfrm>
-            <a:off x="1066800" y="0"/>
+            <a:off x="1422400" y="0"/>
             <a:ext cx="0" cy="6858000"/>
           </a:xfrm>
           <a:prstGeom prst="line">
@@ -665,7 +682,7 @@
           <a:bodyPr vert="horz" wrap="square" lIns="91440" tIns="45720" rIns="91440" bIns="45720" anchor="t" compatLnSpc="1"/>
           <a:lstStyle/>
           <a:p>
-            <a:endParaRPr kumimoji="0" lang="en-US"/>
+            <a:endParaRPr kumimoji="0" lang="en-US" sz="1800"/>
           </a:p>
         </p:txBody>
       </p:sp>
@@ -679,7 +696,7 @@
         </p:nvSpPr>
         <p:spPr bwMode="auto">
           <a:xfrm>
-            <a:off x="9113856" y="0"/>
+            <a:off x="12151808" y="0"/>
             <a:ext cx="0" cy="6858000"/>
           </a:xfrm>
           <a:prstGeom prst="line">
@@ -703,7 +720,7 @@
           <a:bodyPr vert="horz" wrap="square" lIns="91440" tIns="45720" rIns="91440" bIns="45720" anchor="t" compatLnSpc="1"/>
           <a:lstStyle/>
           <a:p>
-            <a:endParaRPr kumimoji="0" lang="en-US"/>
+            <a:endParaRPr kumimoji="0" lang="en-US" sz="1800"/>
           </a:p>
         </p:txBody>
       </p:sp>
@@ -715,8 +732,8 @@
         </p:nvSpPr>
         <p:spPr bwMode="auto">
           <a:xfrm>
-            <a:off x="1219200" y="0"/>
-            <a:ext cx="76200" cy="6858000"/>
+            <a:off x="1625600" y="0"/>
+            <a:ext cx="101600" cy="6858000"/>
           </a:xfrm>
           <a:prstGeom prst="rect">
             <a:avLst/>
@@ -752,7 +769,7 @@
           <a:lstStyle/>
           <a:p>
             <a:pPr algn="ctr" eaLnBrk="1" latinLnBrk="0" hangingPunct="1"/>
-            <a:endParaRPr kumimoji="0" lang="en-US" dirty="0"/>
+            <a:endParaRPr kumimoji="0" lang="en-US" sz="1800" dirty="0"/>
           </a:p>
         </p:txBody>
       </p:sp>
@@ -764,8 +781,8 @@
         </p:nvSpPr>
         <p:spPr bwMode="auto">
           <a:xfrm>
-            <a:off x="609600" y="3429000"/>
-            <a:ext cx="1295400" cy="1295400"/>
+            <a:off x="812800" y="3429000"/>
+            <a:ext cx="1727200" cy="1295400"/>
           </a:xfrm>
           <a:prstGeom prst="ellipse">
             <a:avLst/>
@@ -798,7 +815,7 @@
           <a:lstStyle/>
           <a:p>
             <a:pPr algn="ctr" eaLnBrk="1" latinLnBrk="0" hangingPunct="1"/>
-            <a:endParaRPr kumimoji="0" lang="en-US" dirty="0"/>
+            <a:endParaRPr kumimoji="0" lang="en-US" sz="1800" dirty="0"/>
           </a:p>
         </p:txBody>
       </p:sp>
@@ -810,8 +827,8 @@
         </p:nvSpPr>
         <p:spPr bwMode="auto">
           <a:xfrm>
-            <a:off x="1309632" y="4866752"/>
-            <a:ext cx="641424" cy="641424"/>
+            <a:off x="1746176" y="4866752"/>
+            <a:ext cx="855232" cy="641424"/>
           </a:xfrm>
           <a:prstGeom prst="ellipse">
             <a:avLst/>
@@ -841,7 +858,7 @@
           <a:lstStyle/>
           <a:p>
             <a:pPr algn="ctr" eaLnBrk="1" latinLnBrk="0" hangingPunct="1"/>
-            <a:endParaRPr kumimoji="0" lang="en-US" dirty="0"/>
+            <a:endParaRPr kumimoji="0" lang="en-US" sz="1800" dirty="0"/>
           </a:p>
         </p:txBody>
       </p:sp>
@@ -853,8 +870,8 @@
         </p:nvSpPr>
         <p:spPr bwMode="auto">
           <a:xfrm>
-            <a:off x="1091080" y="5500632"/>
-            <a:ext cx="137160" cy="137160"/>
+            <a:off x="1454773" y="5500632"/>
+            <a:ext cx="182880" cy="137160"/>
           </a:xfrm>
           <a:prstGeom prst="ellipse">
             <a:avLst/>
@@ -884,7 +901,7 @@
           <a:lstStyle/>
           <a:p>
             <a:pPr algn="ctr" eaLnBrk="1" latinLnBrk="0" hangingPunct="1"/>
-            <a:endParaRPr kumimoji="0" lang="en-US" dirty="0"/>
+            <a:endParaRPr kumimoji="0" lang="en-US" sz="1800" dirty="0"/>
           </a:p>
         </p:txBody>
       </p:sp>
@@ -896,8 +913,8 @@
         </p:nvSpPr>
         <p:spPr bwMode="auto">
           <a:xfrm>
-            <a:off x="1664208" y="5788152"/>
-            <a:ext cx="274320" cy="274320"/>
+            <a:off x="2218944" y="5788152"/>
+            <a:ext cx="365760" cy="274320"/>
           </a:xfrm>
           <a:prstGeom prst="ellipse">
             <a:avLst/>
@@ -927,7 +944,7 @@
           <a:lstStyle/>
           <a:p>
             <a:pPr algn="ctr" eaLnBrk="1" latinLnBrk="0" hangingPunct="1"/>
-            <a:endParaRPr kumimoji="0" lang="en-US" dirty="0"/>
+            <a:endParaRPr kumimoji="0" lang="en-US" sz="1800" dirty="0"/>
           </a:p>
         </p:txBody>
       </p:sp>
@@ -939,8 +956,8 @@
         </p:nvSpPr>
         <p:spPr>
           <a:xfrm>
-            <a:off x="1905000" y="4495800"/>
-            <a:ext cx="365760" cy="365760"/>
+            <a:off x="2540000" y="4495800"/>
+            <a:ext cx="487680" cy="365760"/>
           </a:xfrm>
           <a:prstGeom prst="ellipse">
             <a:avLst/>
@@ -970,7 +987,7 @@
           <a:lstStyle/>
           <a:p>
             <a:pPr algn="ctr" eaLnBrk="1" latinLnBrk="0" hangingPunct="1"/>
-            <a:endParaRPr kumimoji="0" lang="en-US" dirty="0"/>
+            <a:endParaRPr kumimoji="0" lang="en-US" sz="1800" dirty="0"/>
           </a:p>
         </p:txBody>
       </p:sp>
@@ -986,8 +1003,8 @@
         </p:nvSpPr>
         <p:spPr bwMode="auto">
           <a:xfrm>
-            <a:off x="1325544" y="4928702"/>
-            <a:ext cx="609600" cy="517524"/>
+            <a:off x="1767392" y="4928702"/>
+            <a:ext cx="812800" cy="517524"/>
           </a:xfrm>
         </p:spPr>
         <p:txBody>
@@ -1121,7 +1138,7 @@
             <a:fld id="{86B5546F-C09B-4E63-ABC5-F7C86A7E8D66}" type="datetimeFigureOut">
               <a:rPr lang="en-US" smtClean="0"/>
               <a:pPr/>
-              <a:t>4/29/2018</a:t>
+              <a:t>11/9/2019</a:t>
             </a:fld>
             <a:endParaRPr lang="en-US"/>
           </a:p>
@@ -1207,8 +1224,8 @@
         </p:nvSpPr>
         <p:spPr>
           <a:xfrm>
-            <a:off x="6629400" y="274639"/>
-            <a:ext cx="1676400" cy="5851525"/>
+            <a:off x="8839200" y="274640"/>
+            <a:ext cx="2235200" cy="5851525"/>
           </a:xfrm>
         </p:spPr>
         <p:txBody>
@@ -1235,8 +1252,8 @@
         </p:nvSpPr>
         <p:spPr>
           <a:xfrm>
-            <a:off x="457200" y="274638"/>
-            <a:ext cx="6019800" cy="5851525"/>
+            <a:off x="609600" y="274639"/>
+            <a:ext cx="8026400" cy="5851525"/>
           </a:xfrm>
         </p:spPr>
         <p:txBody>
@@ -1298,7 +1315,7 @@
             <a:fld id="{86B5546F-C09B-4E63-ABC5-F7C86A7E8D66}" type="datetimeFigureOut">
               <a:rPr lang="en-US" smtClean="0"/>
               <a:pPr/>
-              <a:t>4/29/2018</a:t>
+              <a:t>11/9/2019</a:t>
             </a:fld>
             <a:endParaRPr lang="en-US"/>
           </a:p>
@@ -1407,8 +1424,8 @@
         </p:nvSpPr>
         <p:spPr>
           <a:xfrm>
-            <a:off x="457200" y="1600200"/>
-            <a:ext cx="7467600" cy="4873752"/>
+            <a:off x="609600" y="1600200"/>
+            <a:ext cx="9956800" cy="4873752"/>
           </a:xfrm>
         </p:spPr>
         <p:txBody>
@@ -1470,7 +1487,7 @@
             <a:fld id="{86B5546F-C09B-4E63-ABC5-F7C86A7E8D66}" type="datetimeFigureOut">
               <a:rPr lang="en-US" smtClean="0"/>
               <a:pPr/>
-              <a:t>4/29/2018</a:t>
+              <a:t>11/9/2019</a:t>
             </a:fld>
             <a:endParaRPr lang="en-US"/>
           </a:p>
@@ -1561,8 +1578,8 @@
         </p:nvSpPr>
         <p:spPr>
           <a:xfrm>
-            <a:off x="2286000" y="2895600"/>
-            <a:ext cx="6172200" cy="2053590"/>
+            <a:off x="3048000" y="2895600"/>
+            <a:ext cx="8229600" cy="2053590"/>
           </a:xfrm>
         </p:spPr>
         <p:txBody>
@@ -1594,8 +1611,8 @@
         </p:nvSpPr>
         <p:spPr>
           <a:xfrm>
-            <a:off x="2286000" y="5010150"/>
-            <a:ext cx="6172200" cy="1371600"/>
+            <a:off x="3048000" y="5010150"/>
+            <a:ext cx="8229600" cy="1371600"/>
           </a:xfrm>
         </p:spPr>
         <p:txBody>
@@ -1671,8 +1688,8 @@
         </p:nvSpPr>
         <p:spPr bwMode="auto">
           <a:xfrm rot="5400000">
-            <a:off x="7763256" y="1170432"/>
-            <a:ext cx="2286000" cy="381000"/>
+            <a:off x="10732008" y="1106932"/>
+            <a:ext cx="2286000" cy="508000"/>
           </a:xfrm>
         </p:spPr>
         <p:txBody>
@@ -1682,7 +1699,7 @@
             <a:fld id="{86B5546F-C09B-4E63-ABC5-F7C86A7E8D66}" type="datetimeFigureOut">
               <a:rPr lang="en-US" smtClean="0"/>
               <a:pPr/>
-              <a:t>4/29/2018</a:t>
+              <a:t>11/9/2019</a:t>
             </a:fld>
             <a:endParaRPr lang="en-US"/>
           </a:p>
@@ -1700,8 +1717,8 @@
         </p:nvSpPr>
         <p:spPr bwMode="auto">
           <a:xfrm rot="5400000">
-            <a:off x="7077456" y="4178808"/>
-            <a:ext cx="3657600" cy="384048"/>
+            <a:off x="10046208" y="4114800"/>
+            <a:ext cx="3657600" cy="512064"/>
           </a:xfrm>
         </p:spPr>
         <p:txBody>
@@ -1720,8 +1737,8 @@
         </p:nvSpPr>
         <p:spPr bwMode="auto">
           <a:xfrm>
-            <a:off x="381000" y="0"/>
-            <a:ext cx="609600" cy="6858000"/>
+            <a:off x="508000" y="0"/>
+            <a:ext cx="812800" cy="6858000"/>
           </a:xfrm>
           <a:prstGeom prst="rect">
             <a:avLst/>
@@ -1757,7 +1774,7 @@
           <a:lstStyle/>
           <a:p>
             <a:pPr algn="ctr" eaLnBrk="1" latinLnBrk="0" hangingPunct="1"/>
-            <a:endParaRPr kumimoji="0" lang="en-US"/>
+            <a:endParaRPr kumimoji="0" lang="en-US" sz="1800"/>
           </a:p>
         </p:txBody>
       </p:sp>
@@ -1769,8 +1786,8 @@
         </p:nvSpPr>
         <p:spPr bwMode="auto">
           <a:xfrm>
-            <a:off x="276336" y="0"/>
-            <a:ext cx="104664" cy="6858000"/>
+            <a:off x="368448" y="0"/>
+            <a:ext cx="139552" cy="6858000"/>
           </a:xfrm>
           <a:prstGeom prst="rect">
             <a:avLst/>
@@ -1806,7 +1823,7 @@
           <a:lstStyle/>
           <a:p>
             <a:pPr algn="ctr" eaLnBrk="1" latinLnBrk="0" hangingPunct="1"/>
-            <a:endParaRPr kumimoji="0" lang="en-US"/>
+            <a:endParaRPr kumimoji="0" lang="en-US" sz="1800"/>
           </a:p>
         </p:txBody>
       </p:sp>
@@ -1818,8 +1835,8 @@
         </p:nvSpPr>
         <p:spPr bwMode="auto">
           <a:xfrm>
-            <a:off x="990600" y="0"/>
-            <a:ext cx="181872" cy="6858000"/>
+            <a:off x="1320800" y="0"/>
+            <a:ext cx="242496" cy="6858000"/>
           </a:xfrm>
           <a:prstGeom prst="rect">
             <a:avLst/>
@@ -1855,7 +1872,7 @@
           <a:lstStyle/>
           <a:p>
             <a:pPr algn="ctr" eaLnBrk="1" latinLnBrk="0" hangingPunct="1"/>
-            <a:endParaRPr kumimoji="0" lang="en-US"/>
+            <a:endParaRPr kumimoji="0" lang="en-US" sz="1800"/>
           </a:p>
         </p:txBody>
       </p:sp>
@@ -1867,8 +1884,8 @@
         </p:nvSpPr>
         <p:spPr bwMode="auto">
           <a:xfrm>
-            <a:off x="1141320" y="0"/>
-            <a:ext cx="230280" cy="6858000"/>
+            <a:off x="1521760" y="0"/>
+            <a:ext cx="307040" cy="6858000"/>
           </a:xfrm>
           <a:prstGeom prst="rect">
             <a:avLst/>
@@ -1904,7 +1921,7 @@
           <a:lstStyle/>
           <a:p>
             <a:pPr algn="ctr" eaLnBrk="1" latinLnBrk="0" hangingPunct="1"/>
-            <a:endParaRPr kumimoji="0" lang="en-US"/>
+            <a:endParaRPr kumimoji="0" lang="en-US" sz="1800"/>
           </a:p>
         </p:txBody>
       </p:sp>
@@ -1918,7 +1935,7 @@
         </p:nvSpPr>
         <p:spPr bwMode="auto">
           <a:xfrm>
-            <a:off x="106344" y="0"/>
+            <a:off x="141792" y="0"/>
             <a:ext cx="0" cy="6858000"/>
           </a:xfrm>
           <a:prstGeom prst="line">
@@ -1943,7 +1960,7 @@
           <a:bodyPr vert="horz" wrap="square" lIns="91440" tIns="45720" rIns="91440" bIns="45720" anchor="t" compatLnSpc="1"/>
           <a:lstStyle/>
           <a:p>
-            <a:endParaRPr kumimoji="0" lang="en-US"/>
+            <a:endParaRPr kumimoji="0" lang="en-US" sz="1800"/>
           </a:p>
         </p:txBody>
       </p:sp>
@@ -1957,7 +1974,7 @@
         </p:nvSpPr>
         <p:spPr bwMode="auto">
           <a:xfrm>
-            <a:off x="914400" y="0"/>
+            <a:off x="1219200" y="0"/>
             <a:ext cx="0" cy="6858000"/>
           </a:xfrm>
           <a:prstGeom prst="line">
@@ -1982,7 +1999,7 @@
           <a:bodyPr vert="horz" wrap="square" lIns="91440" tIns="45720" rIns="91440" bIns="45720" anchor="t" compatLnSpc="1"/>
           <a:lstStyle/>
           <a:p>
-            <a:endParaRPr kumimoji="0" lang="en-US"/>
+            <a:endParaRPr kumimoji="0" lang="en-US" sz="1800"/>
           </a:p>
         </p:txBody>
       </p:sp>
@@ -1996,7 +2013,7 @@
         </p:nvSpPr>
         <p:spPr bwMode="auto">
           <a:xfrm>
-            <a:off x="854112" y="0"/>
+            <a:off x="1138816" y="0"/>
             <a:ext cx="0" cy="6858000"/>
           </a:xfrm>
           <a:prstGeom prst="line">
@@ -2020,7 +2037,7 @@
           <a:bodyPr vert="horz" wrap="square" lIns="91440" tIns="45720" rIns="91440" bIns="45720" anchor="t" compatLnSpc="1"/>
           <a:lstStyle/>
           <a:p>
-            <a:endParaRPr kumimoji="0" lang="en-US"/>
+            <a:endParaRPr kumimoji="0" lang="en-US" sz="1800"/>
           </a:p>
         </p:txBody>
       </p:sp>
@@ -2034,7 +2051,7 @@
         </p:nvSpPr>
         <p:spPr bwMode="auto">
           <a:xfrm>
-            <a:off x="1726640" y="0"/>
+            <a:off x="2302187" y="0"/>
             <a:ext cx="0" cy="6858000"/>
           </a:xfrm>
           <a:prstGeom prst="line">
@@ -2059,7 +2076,7 @@
           <a:bodyPr vert="horz" wrap="square" lIns="91440" tIns="45720" rIns="91440" bIns="45720" anchor="t" compatLnSpc="1"/>
           <a:lstStyle/>
           <a:p>
-            <a:endParaRPr kumimoji="0" lang="en-US"/>
+            <a:endParaRPr kumimoji="0" lang="en-US" sz="1800"/>
           </a:p>
         </p:txBody>
       </p:sp>
@@ -2073,7 +2090,7 @@
         </p:nvSpPr>
         <p:spPr bwMode="auto">
           <a:xfrm>
-            <a:off x="1066800" y="0"/>
+            <a:off x="1422400" y="0"/>
             <a:ext cx="0" cy="6858000"/>
           </a:xfrm>
           <a:prstGeom prst="line">
@@ -2097,7 +2114,7 @@
           <a:bodyPr vert="horz" wrap="square" lIns="91440" tIns="45720" rIns="91440" bIns="45720" anchor="t" compatLnSpc="1"/>
           <a:lstStyle/>
           <a:p>
-            <a:endParaRPr kumimoji="0" lang="en-US"/>
+            <a:endParaRPr kumimoji="0" lang="en-US" sz="1800"/>
           </a:p>
         </p:txBody>
       </p:sp>
@@ -2109,8 +2126,8 @@
         </p:nvSpPr>
         <p:spPr bwMode="auto">
           <a:xfrm>
-            <a:off x="1219200" y="0"/>
-            <a:ext cx="76200" cy="6858000"/>
+            <a:off x="1625600" y="0"/>
+            <a:ext cx="101600" cy="6858000"/>
           </a:xfrm>
           <a:prstGeom prst="rect">
             <a:avLst/>
@@ -2146,7 +2163,7 @@
           <a:lstStyle/>
           <a:p>
             <a:pPr algn="ctr" eaLnBrk="1" latinLnBrk="0" hangingPunct="1"/>
-            <a:endParaRPr kumimoji="0" lang="en-US" dirty="0"/>
+            <a:endParaRPr kumimoji="0" lang="en-US" sz="1800" dirty="0"/>
           </a:p>
         </p:txBody>
       </p:sp>
@@ -2158,8 +2175,8 @@
         </p:nvSpPr>
         <p:spPr bwMode="auto">
           <a:xfrm>
-            <a:off x="609600" y="3429000"/>
-            <a:ext cx="1295400" cy="1295400"/>
+            <a:off x="812800" y="3429000"/>
+            <a:ext cx="1727200" cy="1295400"/>
           </a:xfrm>
           <a:prstGeom prst="ellipse">
             <a:avLst/>
@@ -2189,7 +2206,7 @@
           <a:lstStyle/>
           <a:p>
             <a:pPr algn="ctr" eaLnBrk="1" latinLnBrk="0" hangingPunct="1"/>
-            <a:endParaRPr kumimoji="0" lang="en-US" dirty="0"/>
+            <a:endParaRPr kumimoji="0" lang="en-US" sz="1800" dirty="0"/>
           </a:p>
         </p:txBody>
       </p:sp>
@@ -2201,8 +2218,8 @@
         </p:nvSpPr>
         <p:spPr bwMode="auto">
           <a:xfrm>
-            <a:off x="1324704" y="4866752"/>
-            <a:ext cx="641424" cy="641424"/>
+            <a:off x="1766272" y="4866752"/>
+            <a:ext cx="855232" cy="641424"/>
           </a:xfrm>
           <a:prstGeom prst="ellipse">
             <a:avLst/>
@@ -2232,7 +2249,7 @@
           <a:lstStyle/>
           <a:p>
             <a:pPr algn="ctr" eaLnBrk="1" latinLnBrk="0" hangingPunct="1"/>
-            <a:endParaRPr kumimoji="0" lang="en-US" dirty="0"/>
+            <a:endParaRPr kumimoji="0" lang="en-US" sz="1800" dirty="0"/>
           </a:p>
         </p:txBody>
       </p:sp>
@@ -2244,8 +2261,8 @@
         </p:nvSpPr>
         <p:spPr bwMode="auto">
           <a:xfrm>
-            <a:off x="1091080" y="5500632"/>
-            <a:ext cx="137160" cy="137160"/>
+            <a:off x="1454773" y="5500632"/>
+            <a:ext cx="182880" cy="137160"/>
           </a:xfrm>
           <a:prstGeom prst="ellipse">
             <a:avLst/>
@@ -2275,7 +2292,7 @@
           <a:lstStyle/>
           <a:p>
             <a:pPr algn="ctr" eaLnBrk="1" latinLnBrk="0" hangingPunct="1"/>
-            <a:endParaRPr kumimoji="0" lang="en-US" dirty="0"/>
+            <a:endParaRPr kumimoji="0" lang="en-US" sz="1800" dirty="0"/>
           </a:p>
         </p:txBody>
       </p:sp>
@@ -2287,8 +2304,8 @@
         </p:nvSpPr>
         <p:spPr bwMode="auto">
           <a:xfrm>
-            <a:off x="1664208" y="5791200"/>
-            <a:ext cx="274320" cy="274320"/>
+            <a:off x="2218944" y="5791200"/>
+            <a:ext cx="365760" cy="274320"/>
           </a:xfrm>
           <a:prstGeom prst="ellipse">
             <a:avLst/>
@@ -2318,7 +2335,7 @@
           <a:lstStyle/>
           <a:p>
             <a:pPr algn="ctr" eaLnBrk="1" latinLnBrk="0" hangingPunct="1"/>
-            <a:endParaRPr kumimoji="0" lang="en-US" dirty="0"/>
+            <a:endParaRPr kumimoji="0" lang="en-US" sz="1800" dirty="0"/>
           </a:p>
         </p:txBody>
       </p:sp>
@@ -2330,8 +2347,8 @@
         </p:nvSpPr>
         <p:spPr bwMode="auto">
           <a:xfrm>
-            <a:off x="1879040" y="4479888"/>
-            <a:ext cx="365760" cy="365760"/>
+            <a:off x="2505387" y="4479888"/>
+            <a:ext cx="487680" cy="365760"/>
           </a:xfrm>
           <a:prstGeom prst="ellipse">
             <a:avLst/>
@@ -2361,7 +2378,7 @@
           <a:lstStyle/>
           <a:p>
             <a:pPr algn="ctr" eaLnBrk="1" latinLnBrk="0" hangingPunct="1"/>
-            <a:endParaRPr kumimoji="0" lang="en-US" dirty="0"/>
+            <a:endParaRPr kumimoji="0" lang="en-US" sz="1800" dirty="0"/>
           </a:p>
         </p:txBody>
       </p:sp>
@@ -2375,7 +2392,7 @@
         </p:nvSpPr>
         <p:spPr bwMode="auto">
           <a:xfrm>
-            <a:off x="9097944" y="0"/>
+            <a:off x="12130592" y="0"/>
             <a:ext cx="0" cy="6858000"/>
           </a:xfrm>
           <a:prstGeom prst="line">
@@ -2399,7 +2416,7 @@
           <a:bodyPr vert="horz" wrap="square" lIns="91440" tIns="45720" rIns="91440" bIns="45720" anchor="t" compatLnSpc="1"/>
           <a:lstStyle/>
           <a:p>
-            <a:endParaRPr kumimoji="0" lang="en-US"/>
+            <a:endParaRPr kumimoji="0" lang="en-US" sz="1800"/>
           </a:p>
         </p:txBody>
       </p:sp>
@@ -2415,8 +2432,8 @@
         </p:nvSpPr>
         <p:spPr bwMode="auto">
           <a:xfrm>
-            <a:off x="1340616" y="4928702"/>
-            <a:ext cx="609600" cy="517524"/>
+            <a:off x="1787488" y="4928702"/>
+            <a:ext cx="812800" cy="517524"/>
           </a:xfrm>
         </p:spPr>
         <p:txBody>
@@ -2498,7 +2515,7 @@
             <a:fld id="{86B5546F-C09B-4E63-ABC5-F7C86A7E8D66}" type="datetimeFigureOut">
               <a:rPr lang="en-US" smtClean="0"/>
               <a:pPr/>
-              <a:t>4/29/2018</a:t>
+              <a:t>11/9/2019</a:t>
             </a:fld>
             <a:endParaRPr lang="en-US"/>
           </a:p>
@@ -2559,8 +2576,8 @@
         </p:nvSpPr>
         <p:spPr>
           <a:xfrm>
-            <a:off x="457200" y="1600200"/>
-            <a:ext cx="3657600" cy="4572000"/>
+            <a:off x="609600" y="1600200"/>
+            <a:ext cx="4876800" cy="4572000"/>
           </a:xfrm>
         </p:spPr>
         <p:txBody>
@@ -2616,8 +2633,8 @@
         </p:nvSpPr>
         <p:spPr>
           <a:xfrm>
-            <a:off x="4270248" y="1600200"/>
-            <a:ext cx="3657600" cy="4572000"/>
+            <a:off x="5693664" y="1600200"/>
+            <a:ext cx="4876800" cy="4572000"/>
           </a:xfrm>
         </p:spPr>
         <p:txBody>
@@ -2698,8 +2715,8 @@
         </p:nvSpPr>
         <p:spPr>
           <a:xfrm>
-            <a:off x="457200" y="273050"/>
-            <a:ext cx="7543800" cy="1143000"/>
+            <a:off x="609600" y="273050"/>
+            <a:ext cx="10058400" cy="1143000"/>
           </a:xfrm>
         </p:spPr>
         <p:txBody>
@@ -2736,7 +2753,7 @@
             <a:fld id="{86B5546F-C09B-4E63-ABC5-F7C86A7E8D66}" type="datetimeFigureOut">
               <a:rPr lang="en-US" smtClean="0"/>
               <a:pPr/>
-              <a:t>4/29/2018</a:t>
+              <a:t>11/9/2019</a:t>
             </a:fld>
             <a:endParaRPr lang="en-US"/>
           </a:p>
@@ -2797,8 +2814,8 @@
         </p:nvSpPr>
         <p:spPr>
           <a:xfrm>
-            <a:off x="457200" y="2362200"/>
-            <a:ext cx="3657600" cy="3886200"/>
+            <a:off x="609600" y="2362200"/>
+            <a:ext cx="4876800" cy="3886200"/>
           </a:xfrm>
         </p:spPr>
         <p:txBody>
@@ -2854,8 +2871,8 @@
         </p:nvSpPr>
         <p:spPr>
           <a:xfrm>
-            <a:off x="4371975" y="2362200"/>
-            <a:ext cx="3657600" cy="3886200"/>
+            <a:off x="5829300" y="2362200"/>
+            <a:ext cx="4876800" cy="3886200"/>
           </a:xfrm>
         </p:spPr>
         <p:txBody>
@@ -2911,8 +2928,8 @@
         </p:nvSpPr>
         <p:spPr>
           <a:xfrm>
-            <a:off x="457200" y="1569720"/>
-            <a:ext cx="3657600" cy="658368"/>
+            <a:off x="609600" y="1569720"/>
+            <a:ext cx="4876800" cy="658368"/>
           </a:xfrm>
           <a:prstGeom prst="roundRect">
             <a:avLst>
@@ -2959,8 +2976,8 @@
         </p:nvSpPr>
         <p:spPr>
           <a:xfrm>
-            <a:off x="4343400" y="1569720"/>
-            <a:ext cx="3657600" cy="658368"/>
+            <a:off x="5791200" y="1569720"/>
+            <a:ext cx="4876800" cy="658368"/>
           </a:xfrm>
           <a:prstGeom prst="roundRect">
             <a:avLst>
@@ -3061,7 +3078,7 @@
             <a:fld id="{86B5546F-C09B-4E63-ABC5-F7C86A7E8D66}" type="datetimeFigureOut">
               <a:rPr lang="en-US" smtClean="0"/>
               <a:pPr/>
-              <a:t>4/29/2018</a:t>
+              <a:t>11/9/2019</a:t>
             </a:fld>
             <a:endParaRPr lang="en-US"/>
           </a:p>
@@ -3153,7 +3170,7 @@
             <a:fld id="{86B5546F-C09B-4E63-ABC5-F7C86A7E8D66}" type="datetimeFigureOut">
               <a:rPr lang="en-US" smtClean="0"/>
               <a:pPr/>
-              <a:t>4/29/2018</a:t>
+              <a:t>11/9/2019</a:t>
             </a:fld>
             <a:endParaRPr lang="en-US"/>
           </a:p>
@@ -3242,7 +3259,7 @@
         </p:nvSpPr>
         <p:spPr bwMode="auto">
           <a:xfrm>
-            <a:off x="8763000" y="0"/>
+            <a:off x="11684000" y="0"/>
             <a:ext cx="0" cy="6858000"/>
           </a:xfrm>
           <a:prstGeom prst="line">
@@ -3267,7 +3284,7 @@
           <a:bodyPr vert="horz" wrap="square" lIns="91440" tIns="45720" rIns="91440" bIns="45720" anchor="t" compatLnSpc="1"/>
           <a:lstStyle/>
           <a:p>
-            <a:endParaRPr kumimoji="0" lang="en-US" dirty="0"/>
+            <a:endParaRPr kumimoji="0" lang="en-US" sz="1800" dirty="0"/>
           </a:p>
         </p:txBody>
       </p:sp>
@@ -3283,8 +3300,8 @@
         </p:nvSpPr>
         <p:spPr>
           <a:xfrm rot="5400000">
-            <a:off x="3371850" y="3200400"/>
-            <a:ext cx="6309360" cy="457200"/>
+            <a:off x="5547360" y="3124200"/>
+            <a:ext cx="6309360" cy="609600"/>
           </a:xfrm>
         </p:spPr>
         <p:txBody>
@@ -3316,8 +3333,8 @@
         </p:nvSpPr>
         <p:spPr>
           <a:xfrm>
-            <a:off x="6812280" y="274320"/>
-            <a:ext cx="1527048" cy="4983480"/>
+            <a:off x="9083040" y="274320"/>
+            <a:ext cx="2036064" cy="4983480"/>
           </a:xfrm>
         </p:spPr>
         <p:txBody>
@@ -3369,7 +3386,7 @@
         </p:nvSpPr>
         <p:spPr bwMode="auto">
           <a:xfrm>
-            <a:off x="6248400" y="0"/>
+            <a:off x="8331200" y="0"/>
             <a:ext cx="0" cy="6858000"/>
           </a:xfrm>
           <a:prstGeom prst="line">
@@ -3393,7 +3410,7 @@
           <a:bodyPr vert="horz" wrap="square" lIns="91440" tIns="45720" rIns="91440" bIns="45720" anchor="t" compatLnSpc="1"/>
           <a:lstStyle/>
           <a:p>
-            <a:endParaRPr kumimoji="0" lang="en-US" dirty="0"/>
+            <a:endParaRPr kumimoji="0" lang="en-US" sz="1800" dirty="0"/>
           </a:p>
         </p:txBody>
       </p:sp>
@@ -3407,7 +3424,7 @@
         </p:nvSpPr>
         <p:spPr bwMode="auto">
           <a:xfrm>
-            <a:off x="6192296" y="0"/>
+            <a:off x="8256395" y="0"/>
             <a:ext cx="0" cy="6858000"/>
           </a:xfrm>
           <a:prstGeom prst="line">
@@ -3429,7 +3446,7 @@
           <a:bodyPr vert="horz" wrap="square" lIns="91440" tIns="45720" rIns="91440" bIns="45720" anchor="t" compatLnSpc="1"/>
           <a:lstStyle/>
           <a:p>
-            <a:endParaRPr kumimoji="0" lang="en-US" dirty="0"/>
+            <a:endParaRPr kumimoji="0" lang="en-US" sz="1800" dirty="0"/>
           </a:p>
         </p:txBody>
       </p:sp>
@@ -3443,7 +3460,7 @@
         </p:nvSpPr>
         <p:spPr bwMode="auto">
           <a:xfrm>
-            <a:off x="8991600" y="0"/>
+            <a:off x="11988800" y="0"/>
             <a:ext cx="0" cy="6858000"/>
           </a:xfrm>
           <a:prstGeom prst="line">
@@ -3465,7 +3482,7 @@
           <a:bodyPr vert="horz" wrap="square" lIns="91440" tIns="45720" rIns="91440" bIns="45720" anchor="t" compatLnSpc="1"/>
           <a:lstStyle/>
           <a:p>
-            <a:endParaRPr kumimoji="0" lang="en-US"/>
+            <a:endParaRPr kumimoji="0" lang="en-US" sz="1800"/>
           </a:p>
         </p:txBody>
       </p:sp>
@@ -3477,8 +3494,8 @@
         </p:nvSpPr>
         <p:spPr bwMode="auto">
           <a:xfrm>
-            <a:off x="8839200" y="0"/>
-            <a:ext cx="304800" cy="6858000"/>
+            <a:off x="11785600" y="0"/>
+            <a:ext cx="406400" cy="6858000"/>
           </a:xfrm>
           <a:prstGeom prst="rect">
             <a:avLst/>
@@ -3514,7 +3531,7 @@
           <a:lstStyle/>
           <a:p>
             <a:pPr algn="ctr" eaLnBrk="1" latinLnBrk="0" hangingPunct="1"/>
-            <a:endParaRPr kumimoji="0" lang="en-US"/>
+            <a:endParaRPr kumimoji="0" lang="en-US" sz="1800"/>
           </a:p>
         </p:txBody>
       </p:sp>
@@ -3528,7 +3545,7 @@
         </p:nvSpPr>
         <p:spPr bwMode="auto">
           <a:xfrm>
-            <a:off x="8915400" y="0"/>
+            <a:off x="11887200" y="0"/>
             <a:ext cx="0" cy="6858000"/>
           </a:xfrm>
           <a:prstGeom prst="line">
@@ -3550,7 +3567,7 @@
           <a:bodyPr vert="horz" wrap="square" lIns="91440" tIns="45720" rIns="91440" bIns="45720" anchor="t" compatLnSpc="1"/>
           <a:lstStyle/>
           <a:p>
-            <a:endParaRPr kumimoji="0" lang="en-US"/>
+            <a:endParaRPr kumimoji="0" lang="en-US" sz="1800"/>
           </a:p>
         </p:txBody>
       </p:sp>
@@ -3562,8 +3579,8 @@
         </p:nvSpPr>
         <p:spPr>
           <a:xfrm>
-            <a:off x="8156448" y="5715000"/>
-            <a:ext cx="548640" cy="548640"/>
+            <a:off x="10875264" y="5715000"/>
+            <a:ext cx="731520" cy="548640"/>
           </a:xfrm>
           <a:prstGeom prst="ellipse">
             <a:avLst/>
@@ -3593,7 +3610,7 @@
           <a:lstStyle/>
           <a:p>
             <a:pPr algn="ctr" eaLnBrk="1" latinLnBrk="0" hangingPunct="1"/>
-            <a:endParaRPr kumimoji="0" lang="en-US" dirty="0"/>
+            <a:endParaRPr kumimoji="0" lang="en-US" sz="1800" dirty="0"/>
           </a:p>
         </p:txBody>
       </p:sp>
@@ -3609,8 +3626,8 @@
         </p:nvSpPr>
         <p:spPr>
           <a:xfrm>
-            <a:off x="304800" y="274320"/>
-            <a:ext cx="5638800" cy="6327648"/>
+            <a:off x="406400" y="274320"/>
+            <a:ext cx="7518400" cy="6327648"/>
           </a:xfrm>
         </p:spPr>
         <p:txBody>
@@ -3672,7 +3689,7 @@
             <a:fld id="{86B5546F-C09B-4E63-ABC5-F7C86A7E8D66}" type="datetimeFigureOut">
               <a:rPr lang="en-US" smtClean="0"/>
               <a:pPr/>
-              <a:t>4/29/2018</a:t>
+              <a:t>11/9/2019</a:t>
             </a:fld>
             <a:endParaRPr lang="en-US"/>
           </a:p>
@@ -3756,7 +3773,7 @@
         </p:nvSpPr>
         <p:spPr bwMode="auto">
           <a:xfrm>
-            <a:off x="8763000" y="0"/>
+            <a:off x="11684000" y="0"/>
             <a:ext cx="0" cy="6858000"/>
           </a:xfrm>
           <a:prstGeom prst="line">
@@ -3780,7 +3797,7 @@
           <a:bodyPr vert="horz" wrap="square" lIns="91440" tIns="45720" rIns="91440" bIns="45720" anchor="t" compatLnSpc="1"/>
           <a:lstStyle/>
           <a:p>
-            <a:endParaRPr kumimoji="0" lang="en-US"/>
+            <a:endParaRPr kumimoji="0" lang="en-US" sz="1800"/>
           </a:p>
         </p:txBody>
       </p:sp>
@@ -3792,8 +3809,8 @@
         </p:nvSpPr>
         <p:spPr>
           <a:xfrm>
-            <a:off x="8156448" y="5715000"/>
-            <a:ext cx="548640" cy="548640"/>
+            <a:off x="10875264" y="5715000"/>
+            <a:ext cx="731520" cy="548640"/>
           </a:xfrm>
           <a:prstGeom prst="ellipse">
             <a:avLst/>
@@ -3823,7 +3840,7 @@
           <a:lstStyle/>
           <a:p>
             <a:pPr algn="ctr" eaLnBrk="1" latinLnBrk="0" hangingPunct="1"/>
-            <a:endParaRPr kumimoji="0" lang="en-US" dirty="0"/>
+            <a:endParaRPr kumimoji="0" lang="en-US" sz="1800" dirty="0"/>
           </a:p>
         </p:txBody>
       </p:sp>
@@ -3839,8 +3856,8 @@
         </p:nvSpPr>
         <p:spPr>
           <a:xfrm rot="5400000">
-            <a:off x="3350133" y="3200400"/>
-            <a:ext cx="6309360" cy="457200"/>
+            <a:off x="5518404" y="3124200"/>
+            <a:ext cx="6309360" cy="609600"/>
           </a:xfrm>
         </p:spPr>
         <p:txBody>
@@ -3873,7 +3890,7 @@
         <p:spPr>
           <a:xfrm>
             <a:off x="0" y="0"/>
-            <a:ext cx="6172200" cy="6858000"/>
+            <a:ext cx="8229600" cy="6858000"/>
           </a:xfrm>
           <a:solidFill>
             <a:schemeClr val="bg2"/>
@@ -3931,8 +3948,8 @@
         </p:nvSpPr>
         <p:spPr>
           <a:xfrm>
-            <a:off x="6765798" y="264795"/>
-            <a:ext cx="1524000" cy="4956048"/>
+            <a:off x="9021064" y="264795"/>
+            <a:ext cx="2032000" cy="4956048"/>
           </a:xfrm>
         </p:spPr>
         <p:txBody>
@@ -3983,7 +4000,7 @@
         </p:nvSpPr>
         <p:spPr bwMode="auto">
           <a:xfrm>
-            <a:off x="8991600" y="0"/>
+            <a:off x="11988800" y="0"/>
             <a:ext cx="0" cy="6858000"/>
           </a:xfrm>
           <a:prstGeom prst="line">
@@ -4005,7 +4022,7 @@
           <a:bodyPr vert="horz" wrap="square" lIns="91440" tIns="45720" rIns="91440" bIns="45720" anchor="t" compatLnSpc="1"/>
           <a:lstStyle/>
           <a:p>
-            <a:endParaRPr kumimoji="0" lang="en-US"/>
+            <a:endParaRPr kumimoji="0" lang="en-US" sz="1800"/>
           </a:p>
         </p:txBody>
       </p:sp>
@@ -4017,8 +4034,8 @@
         </p:nvSpPr>
         <p:spPr bwMode="auto">
           <a:xfrm>
-            <a:off x="8839200" y="0"/>
-            <a:ext cx="304800" cy="6858000"/>
+            <a:off x="11785600" y="0"/>
+            <a:ext cx="406400" cy="6858000"/>
           </a:xfrm>
           <a:prstGeom prst="rect">
             <a:avLst/>
@@ -4053,7 +4070,7 @@
           <a:lstStyle/>
           <a:p>
             <a:pPr algn="ctr" eaLnBrk="1" latinLnBrk="0" hangingPunct="1"/>
-            <a:endParaRPr kumimoji="0" lang="en-US"/>
+            <a:endParaRPr kumimoji="0" lang="en-US" sz="1800"/>
           </a:p>
         </p:txBody>
       </p:sp>
@@ -4067,7 +4084,7 @@
         </p:nvSpPr>
         <p:spPr bwMode="auto">
           <a:xfrm>
-            <a:off x="8915400" y="0"/>
+            <a:off x="11887200" y="0"/>
             <a:ext cx="0" cy="6858000"/>
           </a:xfrm>
           <a:prstGeom prst="line">
@@ -4089,7 +4106,7 @@
           <a:bodyPr vert="horz" wrap="square" lIns="91440" tIns="45720" rIns="91440" bIns="45720" anchor="t" compatLnSpc="1"/>
           <a:lstStyle/>
           <a:p>
-            <a:endParaRPr kumimoji="0" lang="en-US"/>
+            <a:endParaRPr kumimoji="0" lang="en-US" sz="1800"/>
           </a:p>
         </p:txBody>
       </p:sp>
@@ -4103,7 +4120,7 @@
         </p:nvSpPr>
         <p:spPr bwMode="auto">
           <a:xfrm>
-            <a:off x="6248400" y="0"/>
+            <a:off x="8331200" y="0"/>
             <a:ext cx="0" cy="6858000"/>
           </a:xfrm>
           <a:prstGeom prst="line">
@@ -4127,7 +4144,7 @@
           <a:bodyPr vert="horz" wrap="square" lIns="91440" tIns="45720" rIns="91440" bIns="45720" anchor="t" compatLnSpc="1"/>
           <a:lstStyle/>
           <a:p>
-            <a:endParaRPr kumimoji="0" lang="en-US" dirty="0"/>
+            <a:endParaRPr kumimoji="0" lang="en-US" sz="1800" dirty="0"/>
           </a:p>
         </p:txBody>
       </p:sp>
@@ -4141,7 +4158,7 @@
         </p:nvSpPr>
         <p:spPr bwMode="auto">
           <a:xfrm>
-            <a:off x="6192296" y="0"/>
+            <a:off x="8256395" y="0"/>
             <a:ext cx="0" cy="6858000"/>
           </a:xfrm>
           <a:prstGeom prst="line">
@@ -4163,7 +4180,7 @@
           <a:bodyPr vert="horz" wrap="square" lIns="91440" tIns="45720" rIns="91440" bIns="45720" anchor="t" compatLnSpc="1"/>
           <a:lstStyle/>
           <a:p>
-            <a:endParaRPr kumimoji="0" lang="en-US" dirty="0"/>
+            <a:endParaRPr kumimoji="0" lang="en-US" sz="1800" dirty="0"/>
           </a:p>
         </p:txBody>
       </p:sp>
@@ -4185,7 +4202,7 @@
             <a:fld id="{86B5546F-C09B-4E63-ABC5-F7C86A7E8D66}" type="datetimeFigureOut">
               <a:rPr lang="en-US" smtClean="0"/>
               <a:pPr/>
-              <a:t>4/29/2018</a:t>
+              <a:t>11/9/2019</a:t>
             </a:fld>
             <a:endParaRPr lang="en-US"/>
           </a:p>
@@ -4274,7 +4291,7 @@
         </p:nvSpPr>
         <p:spPr bwMode="auto">
           <a:xfrm>
-            <a:off x="8763000" y="0"/>
+            <a:off x="11684000" y="0"/>
             <a:ext cx="0" cy="6858000"/>
           </a:xfrm>
           <a:prstGeom prst="line">
@@ -4299,7 +4316,7 @@
           <a:bodyPr vert="horz" wrap="square" lIns="91440" tIns="45720" rIns="91440" bIns="45720" anchor="t" compatLnSpc="1"/>
           <a:lstStyle/>
           <a:p>
-            <a:endParaRPr kumimoji="0" lang="en-US" dirty="0"/>
+            <a:endParaRPr kumimoji="0" lang="en-US" sz="1800" dirty="0"/>
           </a:p>
         </p:txBody>
       </p:sp>
@@ -4315,8 +4332,8 @@
         </p:nvSpPr>
         <p:spPr>
           <a:xfrm>
-            <a:off x="457200" y="274638"/>
-            <a:ext cx="7467600" cy="1143000"/>
+            <a:off x="609600" y="274638"/>
+            <a:ext cx="9956800" cy="1143000"/>
           </a:xfrm>
           <a:prstGeom prst="rect">
             <a:avLst/>
@@ -4348,8 +4365,8 @@
         </p:nvSpPr>
         <p:spPr>
           <a:xfrm>
-            <a:off x="457200" y="1600200"/>
-            <a:ext cx="7467600" cy="4873752"/>
+            <a:off x="609600" y="1600200"/>
+            <a:ext cx="9956800" cy="4873752"/>
           </a:xfrm>
           <a:prstGeom prst="rect">
             <a:avLst/>
@@ -4410,8 +4427,8 @@
         </p:nvSpPr>
         <p:spPr>
           <a:xfrm rot="5400000">
-            <a:off x="7589520" y="1081851"/>
-            <a:ext cx="2011680" cy="384048"/>
+            <a:off x="10454640" y="1017843"/>
+            <a:ext cx="2011680" cy="512064"/>
           </a:xfrm>
           <a:prstGeom prst="rect">
             <a:avLst/>
@@ -4432,7 +4449,7 @@
             <a:fld id="{86B5546F-C09B-4E63-ABC5-F7C86A7E8D66}" type="datetimeFigureOut">
               <a:rPr lang="en-US" smtClean="0"/>
               <a:pPr/>
-              <a:t>4/29/2018</a:t>
+              <a:t>11/9/2019</a:t>
             </a:fld>
             <a:endParaRPr lang="en-US"/>
           </a:p>
@@ -4450,8 +4467,8 @@
         </p:nvSpPr>
         <p:spPr>
           <a:xfrm rot="5400000">
-            <a:off x="6990186" y="3737240"/>
-            <a:ext cx="3200400" cy="365760"/>
+            <a:off x="9853648" y="3676280"/>
+            <a:ext cx="3200400" cy="487680"/>
           </a:xfrm>
           <a:prstGeom prst="rect">
             <a:avLst/>
@@ -4483,7 +4500,7 @@
         </p:nvSpPr>
         <p:spPr bwMode="auto">
           <a:xfrm>
-            <a:off x="76200" y="0"/>
+            <a:off x="101600" y="0"/>
             <a:ext cx="0" cy="6858000"/>
           </a:xfrm>
           <a:prstGeom prst="line">
@@ -4507,7 +4524,7 @@
           <a:bodyPr vert="horz" wrap="square" lIns="91440" tIns="45720" rIns="91440" bIns="45720" anchor="t" compatLnSpc="1"/>
           <a:lstStyle/>
           <a:p>
-            <a:endParaRPr kumimoji="0" lang="en-US"/>
+            <a:endParaRPr kumimoji="0" lang="en-US" sz="1800"/>
           </a:p>
         </p:txBody>
       </p:sp>
@@ -4521,7 +4538,7 @@
         </p:nvSpPr>
         <p:spPr bwMode="auto">
           <a:xfrm>
-            <a:off x="8991600" y="0"/>
+            <a:off x="11988800" y="0"/>
             <a:ext cx="0" cy="6858000"/>
           </a:xfrm>
           <a:prstGeom prst="line">
@@ -4543,7 +4560,7 @@
           <a:bodyPr vert="horz" wrap="square" lIns="91440" tIns="45720" rIns="91440" bIns="45720" anchor="t" compatLnSpc="1"/>
           <a:lstStyle/>
           <a:p>
-            <a:endParaRPr kumimoji="0" lang="en-US"/>
+            <a:endParaRPr kumimoji="0" lang="en-US" sz="1800"/>
           </a:p>
         </p:txBody>
       </p:sp>
@@ -4555,8 +4572,8 @@
         </p:nvSpPr>
         <p:spPr bwMode="auto">
           <a:xfrm>
-            <a:off x="8839200" y="0"/>
-            <a:ext cx="304800" cy="6858000"/>
+            <a:off x="11785600" y="0"/>
+            <a:ext cx="406400" cy="6858000"/>
           </a:xfrm>
           <a:prstGeom prst="rect">
             <a:avLst/>
@@ -4592,7 +4609,7 @@
           <a:lstStyle/>
           <a:p>
             <a:pPr algn="ctr" eaLnBrk="1" latinLnBrk="0" hangingPunct="1"/>
-            <a:endParaRPr kumimoji="0" lang="en-US"/>
+            <a:endParaRPr kumimoji="0" lang="en-US" sz="1800"/>
           </a:p>
         </p:txBody>
       </p:sp>
@@ -4606,7 +4623,7 @@
         </p:nvSpPr>
         <p:spPr bwMode="auto">
           <a:xfrm>
-            <a:off x="8915400" y="0"/>
+            <a:off x="11887200" y="0"/>
             <a:ext cx="0" cy="6858000"/>
           </a:xfrm>
           <a:prstGeom prst="line">
@@ -4628,7 +4645,7 @@
           <a:bodyPr vert="horz" wrap="square" lIns="91440" tIns="45720" rIns="91440" bIns="45720" anchor="t" compatLnSpc="1"/>
           <a:lstStyle/>
           <a:p>
-            <a:endParaRPr kumimoji="0" lang="en-US"/>
+            <a:endParaRPr kumimoji="0" lang="en-US" sz="1800"/>
           </a:p>
         </p:txBody>
       </p:sp>
@@ -4640,8 +4657,8 @@
         </p:nvSpPr>
         <p:spPr>
           <a:xfrm>
-            <a:off x="8156448" y="5715000"/>
-            <a:ext cx="548640" cy="548640"/>
+            <a:off x="10875264" y="5715000"/>
+            <a:ext cx="731520" cy="548640"/>
           </a:xfrm>
           <a:prstGeom prst="ellipse">
             <a:avLst/>
@@ -4671,7 +4688,7 @@
           <a:lstStyle/>
           <a:p>
             <a:pPr algn="ctr" eaLnBrk="1" latinLnBrk="0" hangingPunct="1"/>
-            <a:endParaRPr kumimoji="0" lang="en-US" dirty="0"/>
+            <a:endParaRPr kumimoji="0" lang="en-US" sz="1800" dirty="0"/>
           </a:p>
         </p:txBody>
       </p:sp>
@@ -4687,8 +4704,8 @@
         </p:nvSpPr>
         <p:spPr>
           <a:xfrm>
-            <a:off x="8129016" y="5734050"/>
-            <a:ext cx="609600" cy="521208"/>
+            <a:off x="10838688" y="5734050"/>
+            <a:ext cx="812800" cy="521208"/>
           </a:xfrm>
           <a:prstGeom prst="rect">
             <a:avLst/>
@@ -5051,18 +5068,38 @@
         <p:spPr/>
         <p:txBody>
           <a:bodyPr>
-            <a:normAutofit/>
+            <a:noAutofit/>
           </a:bodyPr>
           <a:lstStyle/>
           <a:p>
             <a:r>
-              <a:rPr lang="zh-CN" altLang="en-US" sz="8000" dirty="0" smtClean="0">
+              <a:rPr lang="zh-CN" altLang="en-US" sz="10666" dirty="0">
+                <a:solidFill>
+                  <a:srgbClr val="660033"/>
+                </a:solidFill>
+                <a:effectLst>
+                  <a:outerShdw blurRad="38100" dist="38100" dir="2700000" algn="tl">
+                    <a:srgbClr val="000000">
+                      <a:alpha val="43137"/>
+                    </a:srgbClr>
+                  </a:outerShdw>
+                </a:effectLst>
                 <a:latin typeface="微軟正黑體" pitchFamily="34" charset="-120"/>
                 <a:ea typeface="微軟正黑體" pitchFamily="34" charset="-120"/>
               </a:rPr>
               <a:t>主的僕人</a:t>
             </a:r>
-            <a:endParaRPr lang="en-US" sz="8000" dirty="0">
+            <a:endParaRPr lang="en-US" sz="10666" dirty="0">
+              <a:solidFill>
+                <a:srgbClr val="660033"/>
+              </a:solidFill>
+              <a:effectLst>
+                <a:outerShdw blurRad="38100" dist="38100" dir="2700000" algn="tl">
+                  <a:srgbClr val="000000">
+                    <a:alpha val="43137"/>
+                  </a:srgbClr>
+                </a:outerShdw>
+              </a:effectLst>
               <a:latin typeface="微軟正黑體" pitchFamily="34" charset="-120"/>
               <a:ea typeface="微軟正黑體" pitchFamily="34" charset="-120"/>
             </a:endParaRPr>
@@ -5087,62 +5124,89 @@
           <a:lstStyle/>
           <a:p>
             <a:r>
-              <a:rPr lang="zh-CN" altLang="en-US" dirty="0" smtClean="0">
+              <a:rPr lang="zh-CN" altLang="en-US" b="1" dirty="0" smtClean="0">
+                <a:solidFill>
+                  <a:srgbClr val="000066"/>
+                </a:solidFill>
                 <a:latin typeface="微軟正黑體" pitchFamily="34" charset="-120"/>
                 <a:ea typeface="微軟正黑體" pitchFamily="34" charset="-120"/>
               </a:rPr>
               <a:t>提後</a:t>
             </a:r>
             <a:r>
-              <a:rPr lang="en-US" altLang="zh-CN" dirty="0" smtClean="0">
+              <a:rPr lang="en-US" altLang="zh-CN" b="1" dirty="0" smtClean="0">
+                <a:solidFill>
+                  <a:srgbClr val="000066"/>
+                </a:solidFill>
                 <a:latin typeface="微軟正黑體" pitchFamily="34" charset="-120"/>
                 <a:ea typeface="微軟正黑體" pitchFamily="34" charset="-120"/>
               </a:rPr>
               <a:t>2</a:t>
             </a:r>
             <a:r>
-              <a:rPr lang="zh-CN" altLang="en-US" dirty="0" smtClean="0">
+              <a:rPr lang="zh-CN" altLang="en-US" b="1" dirty="0" smtClean="0">
+                <a:solidFill>
+                  <a:srgbClr val="000066"/>
+                </a:solidFill>
                 <a:latin typeface="微軟正黑體" pitchFamily="34" charset="-120"/>
                 <a:ea typeface="微軟正黑體" pitchFamily="34" charset="-120"/>
               </a:rPr>
               <a:t>：</a:t>
             </a:r>
             <a:r>
-              <a:rPr lang="en-US" altLang="zh-CN" dirty="0" smtClean="0">
+              <a:rPr lang="en-US" altLang="zh-CN" b="1" dirty="0" smtClean="0">
+                <a:solidFill>
+                  <a:srgbClr val="000066"/>
+                </a:solidFill>
                 <a:latin typeface="微軟正黑體" pitchFamily="34" charset="-120"/>
                 <a:ea typeface="微軟正黑體" pitchFamily="34" charset="-120"/>
               </a:rPr>
               <a:t>1-3</a:t>
             </a:r>
             <a:r>
-              <a:rPr lang="zh-CN" altLang="en-US" dirty="0" smtClean="0">
+              <a:rPr lang="zh-CN" altLang="en-US" b="1" dirty="0" smtClean="0">
+                <a:solidFill>
+                  <a:srgbClr val="000066"/>
+                </a:solidFill>
                 <a:latin typeface="微軟正黑體" pitchFamily="34" charset="-120"/>
                 <a:ea typeface="微軟正黑體" pitchFamily="34" charset="-120"/>
               </a:rPr>
               <a:t>，</a:t>
             </a:r>
             <a:r>
-              <a:rPr lang="en-US" altLang="zh-CN" dirty="0" smtClean="0">
+              <a:rPr lang="en-US" altLang="zh-CN" b="1" dirty="0" smtClean="0">
+                <a:solidFill>
+                  <a:srgbClr val="000066"/>
+                </a:solidFill>
                 <a:latin typeface="微軟正黑體" pitchFamily="34" charset="-120"/>
                 <a:ea typeface="微軟正黑體" pitchFamily="34" charset="-120"/>
               </a:rPr>
               <a:t>15</a:t>
             </a:r>
             <a:r>
-              <a:rPr lang="zh-CN" altLang="en-US" dirty="0" smtClean="0">
+              <a:rPr lang="zh-CN" altLang="en-US" b="1" dirty="0" smtClean="0">
+                <a:solidFill>
+                  <a:srgbClr val="000066"/>
+                </a:solidFill>
                 <a:latin typeface="微軟正黑體" pitchFamily="34" charset="-120"/>
                 <a:ea typeface="微軟正黑體" pitchFamily="34" charset="-120"/>
               </a:rPr>
               <a:t>，</a:t>
             </a:r>
             <a:r>
-              <a:rPr lang="en-US" altLang="zh-CN" dirty="0" smtClean="0">
+              <a:rPr lang="en-US" altLang="zh-CN" b="1" dirty="0" smtClean="0">
+                <a:solidFill>
+                  <a:srgbClr val="000066"/>
+                </a:solidFill>
                 <a:latin typeface="微軟正黑體" pitchFamily="34" charset="-120"/>
                 <a:ea typeface="微軟正黑體" pitchFamily="34" charset="-120"/>
               </a:rPr>
               <a:t>20-26</a:t>
             </a:r>
-            <a:endParaRPr lang="en-US" dirty="0">
+            <a:endParaRPr lang="en-US" b="1" dirty="0">
+              <a:solidFill>
+                <a:srgbClr val="000066"/>
+              </a:solidFill>
               <a:latin typeface="微軟正黑體" pitchFamily="34" charset="-120"/>
               <a:ea typeface="微軟正黑體" pitchFamily="34" charset="-120"/>
             </a:endParaRPr>
@@ -5150,6 +5214,11 @@
         </p:txBody>
       </p:sp>
     </p:spTree>
+    <p:extLst>
+      <p:ext uri="{BB962C8B-B14F-4D97-AF65-F5344CB8AC3E}">
+        <p14:creationId xmlns:p14="http://schemas.microsoft.com/office/powerpoint/2010/main" val="1041816333"/>
+      </p:ext>
+    </p:extLst>
   </p:cSld>
   <p:clrMapOvr>
     <a:masterClrMapping/>
@@ -5193,25 +5262,25 @@
         </p:nvSpPr>
         <p:spPr>
           <a:xfrm>
-            <a:off x="0" y="0"/>
-            <a:ext cx="9144000" cy="7010400"/>
+            <a:off x="76200" y="0"/>
+            <a:ext cx="11582400" cy="7010400"/>
           </a:xfrm>
         </p:spPr>
         <p:txBody>
           <a:bodyPr>
-            <a:normAutofit/>
+            <a:noAutofit/>
           </a:bodyPr>
           <a:lstStyle/>
           <a:p>
             <a:r>
-              <a:rPr lang="zh-TW" altLang="en-US" sz="6000" dirty="0" smtClean="0">
+              <a:rPr lang="zh-TW" altLang="en-US" sz="6400" dirty="0">
                 <a:latin typeface="微軟正黑體" pitchFamily="34" charset="-120"/>
                 <a:ea typeface="微軟正黑體" pitchFamily="34" charset="-120"/>
               </a:rPr>
               <a:t>我兒啊，你要在基督耶穌的恩典上剛強起來。</a:t>
             </a:r>
             <a:r>
-              <a:rPr lang="en-US" altLang="zh-TW" sz="6000" dirty="0" smtClean="0">
+              <a:rPr lang="en-US" altLang="zh-TW" sz="6400" dirty="0">
                 <a:latin typeface="微軟正黑體" pitchFamily="34" charset="-120"/>
                 <a:ea typeface="微軟正黑體" pitchFamily="34" charset="-120"/>
               </a:rPr>
@@ -5220,39 +5289,28 @@
           </a:p>
           <a:p>
             <a:r>
-              <a:rPr lang="zh-TW" altLang="en-US" sz="6000" b="1" dirty="0" smtClean="0">
+              <a:rPr lang="zh-TW" altLang="en-US" sz="6400" b="1" dirty="0">
                 <a:latin typeface="微軟正黑體" pitchFamily="34" charset="-120"/>
                 <a:ea typeface="微軟正黑體" pitchFamily="34" charset="-120"/>
               </a:rPr>
               <a:t>你在許多見證人面前聽見我所教訓的，也要交託那忠心能教導別人的人。</a:t>
             </a:r>
             <a:r>
-              <a:rPr lang="en-US" altLang="zh-TW" sz="6000" b="1" dirty="0" smtClean="0">
+              <a:rPr lang="en-US" altLang="zh-TW" sz="6400" b="1" dirty="0">
                 <a:latin typeface="微軟正黑體" pitchFamily="34" charset="-120"/>
                 <a:ea typeface="微軟正黑體" pitchFamily="34" charset="-120"/>
               </a:rPr>
               <a:t> </a:t>
             </a:r>
           </a:p>
-          <a:p>
-            <a:r>
-              <a:rPr lang="zh-TW" altLang="en-US" sz="6000" dirty="0" smtClean="0">
-                <a:latin typeface="微軟正黑體" pitchFamily="34" charset="-120"/>
-                <a:ea typeface="微軟正黑體" pitchFamily="34" charset="-120"/>
-              </a:rPr>
-              <a:t>你要和我同受苦難，好像基督耶穌的精兵。</a:t>
-            </a:r>
-            <a:r>
-              <a:rPr lang="en-US" altLang="zh-TW" sz="6000" dirty="0" smtClean="0">
-                <a:latin typeface="微軟正黑體" pitchFamily="34" charset="-120"/>
-                <a:ea typeface="微軟正黑體" pitchFamily="34" charset="-120"/>
-              </a:rPr>
-              <a:t> </a:t>
-            </a:r>
-          </a:p>
         </p:txBody>
       </p:sp>
     </p:spTree>
+    <p:extLst>
+      <p:ext uri="{BB962C8B-B14F-4D97-AF65-F5344CB8AC3E}">
+        <p14:creationId xmlns:p14="http://schemas.microsoft.com/office/powerpoint/2010/main" val="2758454864"/>
+      </p:ext>
+    </p:extLst>
   </p:cSld>
   <p:clrMapOvr>
     <a:masterClrMapping/>
@@ -5296,38 +5354,38 @@
         </p:nvSpPr>
         <p:spPr>
           <a:xfrm>
-            <a:off x="0" y="0"/>
-            <a:ext cx="9144000" cy="7010400"/>
+            <a:off x="76200" y="0"/>
+            <a:ext cx="11582400" cy="7010400"/>
           </a:xfrm>
         </p:spPr>
         <p:txBody>
           <a:bodyPr>
-            <a:normAutofit/>
+            <a:noAutofit/>
           </a:bodyPr>
           <a:lstStyle/>
           <a:p>
             <a:r>
-              <a:rPr lang="zh-TW" altLang="en-US" sz="6000" b="1" dirty="0" smtClean="0">
+              <a:rPr lang="zh-TW" altLang="en-US" sz="6400" dirty="0">
+                <a:latin typeface="微軟正黑體" pitchFamily="34" charset="-120"/>
+                <a:ea typeface="微軟正黑體" pitchFamily="34" charset="-120"/>
+              </a:rPr>
+              <a:t>你要和我同受苦難，好像基督耶穌的精兵。</a:t>
+            </a:r>
+            <a:endParaRPr lang="en-US" altLang="zh-TW" sz="6400" dirty="0">
+              <a:latin typeface="微軟正黑體" pitchFamily="34" charset="-120"/>
+              <a:ea typeface="微軟正黑體" pitchFamily="34" charset="-120"/>
+            </a:endParaRPr>
+          </a:p>
+          <a:p>
+            <a:r>
+              <a:rPr lang="zh-TW" altLang="en-US" sz="6400" b="1" dirty="0">
                 <a:latin typeface="微軟正黑體" pitchFamily="34" charset="-120"/>
                 <a:ea typeface="微軟正黑體" pitchFamily="34" charset="-120"/>
               </a:rPr>
               <a:t>你當竭力在神面前得蒙喜悅，作無愧的工人，按著正意分解真理的道。</a:t>
             </a:r>
-            <a:endParaRPr lang="en-US" altLang="zh-TW" sz="6000" b="1" dirty="0" smtClean="0">
-              <a:latin typeface="微軟正黑體" pitchFamily="34" charset="-120"/>
-              <a:ea typeface="微軟正黑體" pitchFamily="34" charset="-120"/>
-            </a:endParaRPr>
-          </a:p>
-          <a:p>
-            <a:r>
-              <a:rPr lang="zh-TW" altLang="en-US" sz="6000" dirty="0" smtClean="0">
-                <a:latin typeface="微軟正黑體" pitchFamily="34" charset="-120"/>
-                <a:ea typeface="微軟正黑體" pitchFamily="34" charset="-120"/>
-              </a:rPr>
-              <a:t>在大戶人家，不但有金器銀器，也有木器瓦器；有作為貴重的，有作為卑賤的。</a:t>
-            </a:r>
-            <a:r>
-              <a:rPr lang="en-US" altLang="zh-TW" sz="6000" dirty="0" smtClean="0">
+            <a:r>
+              <a:rPr lang="en-US" altLang="zh-TW" sz="6400" dirty="0">
                 <a:latin typeface="微軟正黑體" pitchFamily="34" charset="-120"/>
                 <a:ea typeface="微軟正黑體" pitchFamily="34" charset="-120"/>
               </a:rPr>
@@ -5337,6 +5395,11 @@
         </p:txBody>
       </p:sp>
     </p:spTree>
+    <p:extLst>
+      <p:ext uri="{BB962C8B-B14F-4D97-AF65-F5344CB8AC3E}">
+        <p14:creationId xmlns:p14="http://schemas.microsoft.com/office/powerpoint/2010/main" val="422684364"/>
+      </p:ext>
+    </p:extLst>
   </p:cSld>
   <p:clrMapOvr>
     <a:masterClrMapping/>
@@ -5380,8 +5443,8 @@
         </p:nvSpPr>
         <p:spPr>
           <a:xfrm>
-            <a:off x="0" y="0"/>
-            <a:ext cx="9144000" cy="7010400"/>
+            <a:off x="76200" y="0"/>
+            <a:ext cx="11582400" cy="7010400"/>
           </a:xfrm>
         </p:spPr>
         <p:txBody>
@@ -5391,43 +5454,52 @@
           <a:lstStyle/>
           <a:p>
             <a:r>
-              <a:rPr lang="zh-TW" altLang="en-US" sz="6000" b="1" dirty="0" smtClean="0">
+              <a:rPr lang="zh-TW" altLang="en-US" sz="6400" dirty="0">
+                <a:latin typeface="微軟正黑體" pitchFamily="34" charset="-120"/>
+                <a:ea typeface="微軟正黑體" pitchFamily="34" charset="-120"/>
+              </a:rPr>
+              <a:t>在</a:t>
+            </a:r>
+            <a:r>
+              <a:rPr lang="zh-TW" altLang="en-US" sz="6400" dirty="0">
+                <a:latin typeface="微軟正黑體" pitchFamily="34" charset="-120"/>
+                <a:ea typeface="微軟正黑體" pitchFamily="34" charset="-120"/>
+              </a:rPr>
+              <a:t>大戶人家，不但有金器銀器，也有木器瓦器；有作為貴重的，有作為卑賤的。</a:t>
+            </a:r>
+            <a:r>
+              <a:rPr lang="en-US" altLang="zh-TW" sz="6400" dirty="0">
+                <a:latin typeface="微軟正黑體" pitchFamily="34" charset="-120"/>
+                <a:ea typeface="微軟正黑體" pitchFamily="34" charset="-120"/>
+              </a:rPr>
+              <a:t> </a:t>
+            </a:r>
+            <a:endParaRPr lang="en-US" altLang="zh-TW" sz="6400" dirty="0">
+              <a:latin typeface="微軟正黑體" pitchFamily="34" charset="-120"/>
+              <a:ea typeface="微軟正黑體" pitchFamily="34" charset="-120"/>
+            </a:endParaRPr>
+          </a:p>
+          <a:p>
+            <a:r>
+              <a:rPr lang="zh-TW" altLang="en-US" sz="6400" b="1" dirty="0">
                 <a:latin typeface="微軟正黑體" pitchFamily="34" charset="-120"/>
                 <a:ea typeface="微軟正黑體" pitchFamily="34" charset="-120"/>
               </a:rPr>
               <a:t>人若自潔，脫離卑賤的事，就必作貴重的器皿，成為聖潔，合乎主用，預備行各樣的善事。</a:t>
             </a:r>
-            <a:endParaRPr lang="en-US" altLang="zh-TW" sz="6000" b="1" dirty="0" smtClean="0">
+            <a:endParaRPr lang="en-US" altLang="zh-TW" sz="6400" b="1" dirty="0">
               <a:latin typeface="微軟正黑體" pitchFamily="34" charset="-120"/>
               <a:ea typeface="微軟正黑體" pitchFamily="34" charset="-120"/>
             </a:endParaRPr>
           </a:p>
-          <a:p>
-            <a:r>
-              <a:rPr lang="zh-TW" altLang="en-US" sz="6000" dirty="0" smtClean="0">
-                <a:latin typeface="微軟正黑體" pitchFamily="34" charset="-120"/>
-                <a:ea typeface="微軟正黑體" pitchFamily="34" charset="-120"/>
-              </a:rPr>
-              <a:t>你要逃避少年的私慾，同那清心禱告主的人追求公義、信德、仁愛、和平。</a:t>
-            </a:r>
-            <a:r>
-              <a:rPr lang="en-US" altLang="zh-TW" sz="6000" dirty="0" smtClean="0">
-                <a:latin typeface="微軟正黑體" pitchFamily="34" charset="-120"/>
-                <a:ea typeface="微軟正黑體" pitchFamily="34" charset="-120"/>
-              </a:rPr>
-              <a:t> </a:t>
-            </a:r>
-            <a:r>
-              <a:rPr lang="en-US" altLang="zh-TW" sz="6000" b="1" dirty="0" smtClean="0">
-                <a:latin typeface="微軟正黑體" pitchFamily="34" charset="-120"/>
-                <a:ea typeface="微軟正黑體" pitchFamily="34" charset="-120"/>
-              </a:rPr>
-              <a:t> </a:t>
-            </a:r>
-          </a:p>
         </p:txBody>
       </p:sp>
     </p:spTree>
+    <p:extLst>
+      <p:ext uri="{BB962C8B-B14F-4D97-AF65-F5344CB8AC3E}">
+        <p14:creationId xmlns:p14="http://schemas.microsoft.com/office/powerpoint/2010/main" val="831506704"/>
+      </p:ext>
+    </p:extLst>
   </p:cSld>
   <p:clrMapOvr>
     <a:masterClrMapping/>
@@ -5471,8 +5543,8 @@
         </p:nvSpPr>
         <p:spPr>
           <a:xfrm>
-            <a:off x="0" y="0"/>
-            <a:ext cx="9144000" cy="7010400"/>
+            <a:off x="76200" y="0"/>
+            <a:ext cx="11582400" cy="7010400"/>
           </a:xfrm>
         </p:spPr>
         <p:txBody>
@@ -5482,43 +5554,59 @@
           <a:lstStyle/>
           <a:p>
             <a:r>
-              <a:rPr lang="zh-TW" altLang="en-US" sz="6000" b="1" dirty="0" smtClean="0">
+              <a:rPr lang="zh-TW" altLang="en-US" sz="6400" dirty="0">
+                <a:latin typeface="微軟正黑體" pitchFamily="34" charset="-120"/>
+                <a:ea typeface="微軟正黑體" pitchFamily="34" charset="-120"/>
+              </a:rPr>
+              <a:t>你</a:t>
+            </a:r>
+            <a:r>
+              <a:rPr lang="zh-TW" altLang="en-US" sz="6400" dirty="0">
+                <a:latin typeface="微軟正黑體" pitchFamily="34" charset="-120"/>
+                <a:ea typeface="微軟正黑體" pitchFamily="34" charset="-120"/>
+              </a:rPr>
+              <a:t>要逃避少年的私慾，同那清心禱告主的人追求公義、信德、仁愛、和平</a:t>
+            </a:r>
+            <a:r>
+              <a:rPr lang="zh-TW" altLang="en-US" sz="6400" dirty="0">
+                <a:latin typeface="微軟正黑體" pitchFamily="34" charset="-120"/>
+                <a:ea typeface="微軟正黑體" pitchFamily="34" charset="-120"/>
+              </a:rPr>
+              <a:t>。</a:t>
+            </a:r>
+            <a:endParaRPr lang="en-US" altLang="zh-TW" sz="6400" dirty="0">
+              <a:latin typeface="微軟正黑體" pitchFamily="34" charset="-120"/>
+              <a:ea typeface="微軟正黑體" pitchFamily="34" charset="-120"/>
+            </a:endParaRPr>
+          </a:p>
+          <a:p>
+            <a:r>
+              <a:rPr lang="zh-TW" altLang="en-US" sz="6400" b="1" dirty="0">
                 <a:latin typeface="微軟正黑體" pitchFamily="34" charset="-120"/>
                 <a:ea typeface="微軟正黑體" pitchFamily="34" charset="-120"/>
               </a:rPr>
               <a:t>惟有那愚拙無學問的辯論，總要棄絕，因為知道這等事是起爭競的。</a:t>
             </a:r>
-            <a:endParaRPr lang="en-US" altLang="zh-TW" sz="6000" b="1" dirty="0" smtClean="0">
+            <a:r>
+              <a:rPr lang="en-US" altLang="zh-TW" sz="6400" dirty="0">
+                <a:latin typeface="微軟正黑體" pitchFamily="34" charset="-120"/>
+                <a:ea typeface="微軟正黑體" pitchFamily="34" charset="-120"/>
+              </a:rPr>
+              <a:t>  </a:t>
+            </a:r>
+            <a:endParaRPr lang="en-US" altLang="zh-TW" sz="6400" dirty="0">
               <a:latin typeface="微軟正黑體" pitchFamily="34" charset="-120"/>
               <a:ea typeface="微軟正黑體" pitchFamily="34" charset="-120"/>
             </a:endParaRPr>
           </a:p>
-          <a:p>
-            <a:r>
-              <a:rPr lang="zh-TW" altLang="en-US" sz="6000" dirty="0" smtClean="0">
-                <a:latin typeface="微軟正黑體" pitchFamily="34" charset="-120"/>
-                <a:ea typeface="微軟正黑體" pitchFamily="34" charset="-120"/>
-              </a:rPr>
-              <a:t>然而主的僕人不可爭競，只要溫溫和和的待眾人，善於教導，存心忍耐，</a:t>
-            </a:r>
-            <a:r>
-              <a:rPr lang="en-US" altLang="zh-TW" sz="6000" dirty="0" smtClean="0">
-                <a:latin typeface="微軟正黑體" pitchFamily="34" charset="-120"/>
-                <a:ea typeface="微軟正黑體" pitchFamily="34" charset="-120"/>
-              </a:rPr>
-              <a:t> </a:t>
-            </a:r>
-            <a:r>
-              <a:rPr lang="en-US" altLang="zh-TW" sz="6000" b="1" dirty="0" smtClean="0">
-                <a:latin typeface="微軟正黑體" pitchFamily="34" charset="-120"/>
-                <a:ea typeface="微軟正黑體" pitchFamily="34" charset="-120"/>
-              </a:rPr>
-              <a:t> </a:t>
-            </a:r>
-          </a:p>
         </p:txBody>
       </p:sp>
     </p:spTree>
+    <p:extLst>
+      <p:ext uri="{BB962C8B-B14F-4D97-AF65-F5344CB8AC3E}">
+        <p14:creationId xmlns:p14="http://schemas.microsoft.com/office/powerpoint/2010/main" val="2586228766"/>
+      </p:ext>
+    </p:extLst>
   </p:cSld>
   <p:clrMapOvr>
     <a:masterClrMapping/>
@@ -5562,8 +5650,8 @@
         </p:nvSpPr>
         <p:spPr>
           <a:xfrm>
-            <a:off x="0" y="0"/>
-            <a:ext cx="9144000" cy="7010400"/>
+            <a:off x="76200" y="0"/>
+            <a:ext cx="11582400" cy="7010400"/>
           </a:xfrm>
         </p:spPr>
         <p:txBody>
@@ -5573,13 +5661,96 @@
           <a:lstStyle/>
           <a:p>
             <a:r>
-              <a:rPr lang="zh-TW" altLang="en-US" sz="6000" b="1" dirty="0" smtClean="0">
+              <a:rPr lang="zh-TW" altLang="en-US" sz="6400" dirty="0">
+                <a:latin typeface="微軟正黑體" pitchFamily="34" charset="-120"/>
+                <a:ea typeface="微軟正黑體" pitchFamily="34" charset="-120"/>
+              </a:rPr>
+              <a:t>然</a:t>
+            </a:r>
+            <a:r>
+              <a:rPr lang="zh-TW" altLang="en-US" sz="6400" dirty="0">
+                <a:latin typeface="微軟正黑體" pitchFamily="34" charset="-120"/>
+                <a:ea typeface="微軟正黑體" pitchFamily="34" charset="-120"/>
+              </a:rPr>
+              <a:t>而主的僕人不可爭競，只要溫溫和和的待眾人，善於教導，存心忍耐，</a:t>
+            </a:r>
+            <a:r>
+              <a:rPr lang="en-US" altLang="zh-TW" sz="6400" dirty="0">
+                <a:latin typeface="微軟正黑體" pitchFamily="34" charset="-120"/>
+                <a:ea typeface="微軟正黑體" pitchFamily="34" charset="-120"/>
+              </a:rPr>
+              <a:t>  </a:t>
+            </a:r>
+          </a:p>
+        </p:txBody>
+      </p:sp>
+    </p:spTree>
+    <p:extLst>
+      <p:ext uri="{BB962C8B-B14F-4D97-AF65-F5344CB8AC3E}">
+        <p14:creationId xmlns:p14="http://schemas.microsoft.com/office/powerpoint/2010/main" val="3940247969"/>
+      </p:ext>
+    </p:extLst>
+  </p:cSld>
+  <p:clrMapOvr>
+    <a:masterClrMapping/>
+  </p:clrMapOvr>
+  <p:timing>
+    <p:tnLst>
+      <p:par>
+        <p:cTn id="1" dur="indefinite" restart="never" nodeType="tmRoot"/>
+      </p:par>
+    </p:tnLst>
+  </p:timing>
+</p:sld>
+</file>
+
+<file path=ppt/slides/slide7.xml><?xml version="1.0" encoding="utf-8"?>
+<p:sld xmlns:a="http://schemas.openxmlformats.org/drawingml/2006/main" xmlns:r="http://schemas.openxmlformats.org/officeDocument/2006/relationships" xmlns:p="http://schemas.openxmlformats.org/presentationml/2006/main">
+  <p:cSld>
+    <p:spTree>
+      <p:nvGrpSpPr>
+        <p:cNvPr id="1" name=""/>
+        <p:cNvGrpSpPr/>
+        <p:nvPr/>
+      </p:nvGrpSpPr>
+      <p:grpSpPr>
+        <a:xfrm>
+          <a:off x="0" y="0"/>
+          <a:ext cx="0" cy="0"/>
+          <a:chOff x="0" y="0"/>
+          <a:chExt cx="0" cy="0"/>
+        </a:xfrm>
+      </p:grpSpPr>
+      <p:sp>
+        <p:nvSpPr>
+          <p:cNvPr id="3" name="Content Placeholder 2"/>
+          <p:cNvSpPr>
+            <a:spLocks noGrp="1"/>
+          </p:cNvSpPr>
+          <p:nvPr>
+            <p:ph sz="quarter" idx="1"/>
+          </p:nvPr>
+        </p:nvSpPr>
+        <p:spPr>
+          <a:xfrm>
+            <a:off x="76200" y="0"/>
+            <a:ext cx="11582400" cy="7010400"/>
+          </a:xfrm>
+        </p:spPr>
+        <p:txBody>
+          <a:bodyPr>
+            <a:normAutofit/>
+          </a:bodyPr>
+          <a:lstStyle/>
+          <a:p>
+            <a:r>
+              <a:rPr lang="zh-TW" altLang="en-US" sz="6400" b="1" dirty="0">
                 <a:latin typeface="微軟正黑體" pitchFamily="34" charset="-120"/>
                 <a:ea typeface="微軟正黑體" pitchFamily="34" charset="-120"/>
               </a:rPr>
               <a:t>用溫柔勸戒那抵擋的人；或者神給他們悔改的心，可以明白真道，叫他們這已經被魔鬼任意擄去的，可以醒悟，脫離他的網羅。</a:t>
             </a:r>
-            <a:endParaRPr lang="en-US" altLang="zh-TW" sz="6000" b="1" dirty="0" smtClean="0">
+            <a:endParaRPr lang="en-US" altLang="zh-TW" sz="6400" b="1" dirty="0">
               <a:latin typeface="微軟正黑體" pitchFamily="34" charset="-120"/>
               <a:ea typeface="微軟正黑體" pitchFamily="34" charset="-120"/>
             </a:endParaRPr>
@@ -5587,6 +5758,11 @@
         </p:txBody>
       </p:sp>
     </p:spTree>
+    <p:extLst>
+      <p:ext uri="{BB962C8B-B14F-4D97-AF65-F5344CB8AC3E}">
+        <p14:creationId xmlns:p14="http://schemas.microsoft.com/office/powerpoint/2010/main" val="1202717298"/>
+      </p:ext>
+    </p:extLst>
   </p:cSld>
   <p:clrMapOvr>
     <a:masterClrMapping/>
